--- a/StateEstimate/扩展卡尔曼滤波器及其在固定翼飞机状态估计中的应用.pptx
+++ b/StateEstimate/扩展卡尔曼滤波器及其在固定翼飞机状态估计中的应用.pptx
@@ -237,7 +237,7 @@
           <a:p>
             <a:fld id="{3ABB2E5B-1A0B-4F0A-9547-4FB8D13F2C5F}" type="datetimeFigureOut">
               <a:rPr lang="zh-CN" altLang="en-US" smtClean="0"/>
-              <a:t>2023/4/5</a:t>
+              <a:t>2023/4/14</a:t>
             </a:fld>
             <a:endParaRPr lang="zh-CN" altLang="en-US"/>
           </a:p>
@@ -1226,7 +1226,7 @@
           <a:p>
             <a:fld id="{48A87A34-81AB-432B-8DAE-1953F412C126}" type="datetimeFigureOut">
               <a:rPr lang="en-US" smtClean="0"/>
-              <a:t>4/5/2023</a:t>
+              <a:t>4/14/2023</a:t>
             </a:fld>
             <a:endParaRPr lang="en-US" dirty="0"/>
           </a:p>
@@ -1478,7 +1478,7 @@
             <a:fld id="{48A87A34-81AB-432B-8DAE-1953F412C126}" type="datetimeFigureOut">
               <a:rPr lang="en-US" smtClean="0"/>
               <a:pPr/>
-              <a:t>4/5/2023</a:t>
+              <a:t>4/14/2023</a:t>
             </a:fld>
             <a:endParaRPr lang="en-US" dirty="0"/>
           </a:p>
@@ -1794,7 +1794,7 @@
             <a:fld id="{48A87A34-81AB-432B-8DAE-1953F412C126}" type="datetimeFigureOut">
               <a:rPr lang="en-US" smtClean="0"/>
               <a:pPr/>
-              <a:t>4/5/2023</a:t>
+              <a:t>4/14/2023</a:t>
             </a:fld>
             <a:endParaRPr lang="en-US" dirty="0"/>
           </a:p>
@@ -2137,7 +2137,7 @@
             <a:fld id="{48A87A34-81AB-432B-8DAE-1953F412C126}" type="datetimeFigureOut">
               <a:rPr lang="en-US" smtClean="0"/>
               <a:pPr/>
-              <a:t>4/5/2023</a:t>
+              <a:t>4/14/2023</a:t>
             </a:fld>
             <a:endParaRPr lang="en-US" dirty="0"/>
           </a:p>
@@ -2453,7 +2453,7 @@
             <a:fld id="{48A87A34-81AB-432B-8DAE-1953F412C126}" type="datetimeFigureOut">
               <a:rPr lang="en-US" smtClean="0"/>
               <a:pPr/>
-              <a:t>4/5/2023</a:t>
+              <a:t>4/14/2023</a:t>
             </a:fld>
             <a:endParaRPr lang="en-US" dirty="0"/>
           </a:p>
@@ -2848,7 +2848,7 @@
             <a:fld id="{48A87A34-81AB-432B-8DAE-1953F412C126}" type="datetimeFigureOut">
               <a:rPr lang="en-US" smtClean="0"/>
               <a:pPr/>
-              <a:t>4/5/2023</a:t>
+              <a:t>4/14/2023</a:t>
             </a:fld>
             <a:endParaRPr lang="en-US" dirty="0"/>
           </a:p>
@@ -3019,7 +3019,7 @@
           <a:p>
             <a:fld id="{48A87A34-81AB-432B-8DAE-1953F412C126}" type="datetimeFigureOut">
               <a:rPr lang="en-US" smtClean="0"/>
-              <a:t>4/5/2023</a:t>
+              <a:t>4/14/2023</a:t>
             </a:fld>
             <a:endParaRPr lang="en-US" dirty="0"/>
           </a:p>
@@ -3199,7 +3199,7 @@
           <a:p>
             <a:fld id="{48A87A34-81AB-432B-8DAE-1953F412C126}" type="datetimeFigureOut">
               <a:rPr lang="en-US" smtClean="0"/>
-              <a:t>4/5/2023</a:t>
+              <a:t>4/14/2023</a:t>
             </a:fld>
             <a:endParaRPr lang="en-US" dirty="0"/>
           </a:p>
@@ -3601,7 +3601,7 @@
           <a:p>
             <a:fld id="{48A87A34-81AB-432B-8DAE-1953F412C126}" type="datetimeFigureOut">
               <a:rPr lang="en-US" smtClean="0"/>
-              <a:t>4/5/2023</a:t>
+              <a:t>4/14/2023</a:t>
             </a:fld>
             <a:endParaRPr lang="en-US" dirty="0"/>
           </a:p>
@@ -3848,7 +3848,7 @@
           <a:p>
             <a:fld id="{48A87A34-81AB-432B-8DAE-1953F412C126}" type="datetimeFigureOut">
               <a:rPr lang="en-US" smtClean="0"/>
-              <a:t>4/5/2023</a:t>
+              <a:t>4/14/2023</a:t>
             </a:fld>
             <a:endParaRPr lang="en-US" dirty="0"/>
           </a:p>
@@ -4080,7 +4080,7 @@
           <a:p>
             <a:fld id="{48A87A34-81AB-432B-8DAE-1953F412C126}" type="datetimeFigureOut">
               <a:rPr lang="en-US" smtClean="0"/>
-              <a:t>4/5/2023</a:t>
+              <a:t>4/14/2023</a:t>
             </a:fld>
             <a:endParaRPr lang="en-US" dirty="0"/>
           </a:p>
@@ -4454,7 +4454,7 @@
           <a:p>
             <a:fld id="{48A87A34-81AB-432B-8DAE-1953F412C126}" type="datetimeFigureOut">
               <a:rPr lang="en-US" smtClean="0"/>
-              <a:t>4/5/2023</a:t>
+              <a:t>4/14/2023</a:t>
             </a:fld>
             <a:endParaRPr lang="en-US" dirty="0"/>
           </a:p>
@@ -4577,7 +4577,7 @@
           <a:p>
             <a:fld id="{48A87A34-81AB-432B-8DAE-1953F412C126}" type="datetimeFigureOut">
               <a:rPr lang="en-US" smtClean="0"/>
-              <a:t>4/5/2023</a:t>
+              <a:t>4/14/2023</a:t>
             </a:fld>
             <a:endParaRPr lang="en-US" dirty="0"/>
           </a:p>
@@ -4672,7 +4672,7 @@
           <a:p>
             <a:fld id="{48A87A34-81AB-432B-8DAE-1953F412C126}" type="datetimeFigureOut">
               <a:rPr lang="en-US" smtClean="0"/>
-              <a:t>4/5/2023</a:t>
+              <a:t>4/14/2023</a:t>
             </a:fld>
             <a:endParaRPr lang="en-US" dirty="0"/>
           </a:p>
@@ -5022,7 +5022,7 @@
           <a:p>
             <a:fld id="{48A87A34-81AB-432B-8DAE-1953F412C126}" type="datetimeFigureOut">
               <a:rPr lang="en-US" smtClean="0"/>
-              <a:t>4/5/2023</a:t>
+              <a:t>4/14/2023</a:t>
             </a:fld>
             <a:endParaRPr lang="en-US" dirty="0"/>
           </a:p>
@@ -5286,7 +5286,7 @@
             <a:fld id="{48A87A34-81AB-432B-8DAE-1953F412C126}" type="datetimeFigureOut">
               <a:rPr lang="en-US" smtClean="0"/>
               <a:pPr/>
-              <a:t>4/5/2023</a:t>
+              <a:t>4/14/2023</a:t>
             </a:fld>
             <a:endParaRPr lang="en-US" dirty="0"/>
           </a:p>
@@ -6030,7 +6030,7 @@
             <a:fld id="{48A87A34-81AB-432B-8DAE-1953F412C126}" type="datetimeFigureOut">
               <a:rPr lang="en-US" smtClean="0"/>
               <a:pPr/>
-              <a:t>4/5/2023</a:t>
+              <a:t>4/14/2023</a:t>
             </a:fld>
             <a:endParaRPr lang="en-US" dirty="0"/>
           </a:p>
@@ -7322,25 +7322,25 @@
           <p:nvPr>
             <p:extLst>
               <p:ext uri="{D42A27DB-BD31-4B8C-83A1-F6EECF244321}">
-                <p14:modId xmlns:p14="http://schemas.microsoft.com/office/powerpoint/2010/main" val="471258128"/>
+                <p14:modId xmlns:p14="http://schemas.microsoft.com/office/powerpoint/2010/main" val="104585732"/>
               </p:ext>
             </p:extLst>
           </p:nvPr>
         </p:nvGraphicFramePr>
         <p:xfrm>
-          <a:off x="8189095" y="4212587"/>
-          <a:ext cx="3214687" cy="2033587"/>
+          <a:off x="8188325" y="4213225"/>
+          <a:ext cx="3213100" cy="2032000"/>
         </p:xfrm>
         <a:graphic>
           <a:graphicData uri="http://schemas.openxmlformats.org/presentationml/2006/ole">
             <mc:AlternateContent xmlns:mc="http://schemas.openxmlformats.org/markup-compatibility/2006">
               <mc:Choice xmlns:v="urn:schemas-microsoft-com:vml" Requires="v">
-                <p:oleObj name="Equation" r:id="rId5" imgW="3214320" imgH="2032993" progId="Equation.DSMT4">
+                <p:oleObj name="Equation" r:id="rId5" imgW="3213000" imgH="2031840" progId="Equation.DSMT4">
                   <p:embed/>
                 </p:oleObj>
               </mc:Choice>
               <mc:Fallback>
-                <p:oleObj name="Equation" r:id="rId5" imgW="3214320" imgH="2032993" progId="Equation.DSMT4">
+                <p:oleObj name="Equation" r:id="rId5" imgW="3213000" imgH="2031840" progId="Equation.DSMT4">
                   <p:embed/>
                   <p:pic>
                     <p:nvPicPr>
@@ -7356,8 +7356,8 @@
                     </p:blipFill>
                     <p:spPr>
                       <a:xfrm>
-                        <a:off x="8189095" y="4212587"/>
-                        <a:ext cx="3214687" cy="2033587"/>
+                        <a:off x="8188325" y="4213225"/>
+                        <a:ext cx="3213100" cy="2032000"/>
                       </a:xfrm>
                       <a:prstGeom prst="rect">
                         <a:avLst/>
@@ -7547,7 +7547,7 @@
             <p:nvPr>
               <p:extLst>
                 <p:ext uri="{D42A27DB-BD31-4B8C-83A1-F6EECF244321}">
-                  <p14:modId xmlns:p14="http://schemas.microsoft.com/office/powerpoint/2010/main" val="1752952104"/>
+                  <p14:modId xmlns:p14="http://schemas.microsoft.com/office/powerpoint/2010/main" val="1471795792"/>
                 </p:ext>
               </p:extLst>
             </p:nvPr>
@@ -7993,7 +7993,7 @@
             <p:nvPr>
               <p:extLst>
                 <p:ext uri="{D42A27DB-BD31-4B8C-83A1-F6EECF244321}">
-                  <p14:modId xmlns:p14="http://schemas.microsoft.com/office/powerpoint/2010/main" val="2333130388"/>
+                  <p14:modId xmlns:p14="http://schemas.microsoft.com/office/powerpoint/2010/main" val="3414460828"/>
                 </p:ext>
               </p:extLst>
             </p:nvPr>
@@ -8132,13 +8132,13 @@
           <p:nvPr>
             <p:extLst>
               <p:ext uri="{D42A27DB-BD31-4B8C-83A1-F6EECF244321}">
-                <p14:modId xmlns:p14="http://schemas.microsoft.com/office/powerpoint/2010/main" val="1059917261"/>
+                <p14:modId xmlns:p14="http://schemas.microsoft.com/office/powerpoint/2010/main" val="1047388238"/>
               </p:ext>
             </p:extLst>
           </p:nvPr>
         </p:nvGraphicFramePr>
         <p:xfrm>
-          <a:off x="389924" y="4142874"/>
+          <a:off x="527020" y="4114933"/>
           <a:ext cx="3162300" cy="1879600"/>
         </p:xfrm>
         <a:graphic>
@@ -8166,7 +8166,7 @@
                     </p:blipFill>
                     <p:spPr>
                       <a:xfrm>
-                        <a:off x="389924" y="4142874"/>
+                        <a:off x="527020" y="4114933"/>
                         <a:ext cx="3162300" cy="1879600"/>
                       </a:xfrm>
                       <a:prstGeom prst="rect">
@@ -8195,25 +8195,25 @@
           <p:nvPr>
             <p:extLst>
               <p:ext uri="{D42A27DB-BD31-4B8C-83A1-F6EECF244321}">
-                <p14:modId xmlns:p14="http://schemas.microsoft.com/office/powerpoint/2010/main" val="154865182"/>
+                <p14:modId xmlns:p14="http://schemas.microsoft.com/office/powerpoint/2010/main" val="875087460"/>
               </p:ext>
             </p:extLst>
           </p:nvPr>
         </p:nvGraphicFramePr>
         <p:xfrm>
-          <a:off x="3552224" y="3952374"/>
-          <a:ext cx="8242300" cy="2260600"/>
+          <a:off x="3844385" y="3950723"/>
+          <a:ext cx="7683500" cy="2260600"/>
         </p:xfrm>
         <a:graphic>
           <a:graphicData uri="http://schemas.openxmlformats.org/presentationml/2006/ole">
             <mc:AlternateContent xmlns:mc="http://schemas.openxmlformats.org/markup-compatibility/2006">
               <mc:Choice xmlns:v="urn:schemas-microsoft-com:vml" Requires="v">
-                <p:oleObj name="Equation" r:id="rId10" imgW="8242200" imgH="2260440" progId="Equation.DSMT4">
+                <p:oleObj name="Equation" r:id="rId10" imgW="7683480" imgH="2260440" progId="Equation.DSMT4">
                   <p:embed/>
                 </p:oleObj>
               </mc:Choice>
               <mc:Fallback>
-                <p:oleObj name="Equation" r:id="rId10" imgW="8242200" imgH="2260440" progId="Equation.DSMT4">
+                <p:oleObj name="Equation" r:id="rId10" imgW="7683480" imgH="2260440" progId="Equation.DSMT4">
                   <p:embed/>
                   <p:pic>
                     <p:nvPicPr>
@@ -8229,8 +8229,8 @@
                     </p:blipFill>
                     <p:spPr>
                       <a:xfrm>
-                        <a:off x="3552224" y="3952374"/>
-                        <a:ext cx="8242300" cy="2260600"/>
+                        <a:off x="3844385" y="3950723"/>
+                        <a:ext cx="7683500" cy="2260600"/>
                       </a:xfrm>
                       <a:prstGeom prst="rect">
                         <a:avLst/>
@@ -8684,7 +8684,7 @@
           <a:p>
             <a:r>
               <a:rPr lang="zh-CN" altLang="en-US" dirty="0"/>
-              <a:t>仿真过程中扩展卡尔曼滤波对数据采集的频率药高于传感器采样的频率，因此引入一个</a:t>
+              <a:t>仿真过程中扩展卡尔曼滤波对数据采集的频率要高于传感器采样的频率，因此引入一个</a:t>
             </a:r>
             <a:r>
               <a:rPr lang="en-US" altLang="zh-CN" dirty="0"/>
@@ -9243,7 +9243,7 @@
           </p:cNvPicPr>
           <p:nvPr/>
         </p:nvPicPr>
-        <p:blipFill>
+        <p:blipFill rotWithShape="1">
           <a:blip r:embed="rId2">
             <a:extLst>
               <a:ext uri="{28A0092B-C50C-407E-A947-70E740481C1C}">
@@ -9251,14 +9251,13 @@
               </a:ext>
             </a:extLst>
           </a:blip>
-          <a:stretch>
-            <a:fillRect/>
-          </a:stretch>
+          <a:srcRect l="9628" t="3762" r="5195" b="5004"/>
+          <a:stretch/>
         </p:blipFill>
         <p:spPr>
           <a:xfrm>
-            <a:off x="1112488" y="1134157"/>
-            <a:ext cx="9967024" cy="4864115"/>
+            <a:off x="1360414" y="1087804"/>
+            <a:ext cx="9471171" cy="4950839"/>
           </a:xfrm>
           <a:prstGeom prst="rect">
             <a:avLst/>
@@ -9309,7 +9308,7 @@
           </p:cNvPicPr>
           <p:nvPr/>
         </p:nvPicPr>
-        <p:blipFill>
+        <p:blipFill rotWithShape="1">
           <a:blip r:embed="rId2">
             <a:extLst>
               <a:ext uri="{28A0092B-C50C-407E-A947-70E740481C1C}">
@@ -9317,14 +9316,13 @@
               </a:ext>
             </a:extLst>
           </a:blip>
-          <a:stretch>
-            <a:fillRect/>
-          </a:stretch>
+          <a:srcRect l="9609" t="3876" r="6713" b="6073"/>
+          <a:stretch/>
         </p:blipFill>
         <p:spPr>
           <a:xfrm>
-            <a:off x="578064" y="1021481"/>
-            <a:ext cx="10747178" cy="5244847"/>
+            <a:off x="1272330" y="895673"/>
+            <a:ext cx="9647340" cy="5066653"/>
           </a:xfrm>
           <a:prstGeom prst="rect">
             <a:avLst/>
@@ -10138,23 +10136,7 @@
             </a:pPr>
             <a:r>
               <a:rPr lang="zh-CN" altLang="en-US" dirty="0"/>
-              <a:t>卡尔曼滤波作为一种状态最优估计的方法，被广泛应用在动态系统预测，通过“</a:t>
-            </a:r>
-            <a:r>
-              <a:rPr lang="zh-CN" altLang="en-US" b="1" dirty="0"/>
-              <a:t>预测</a:t>
-            </a:r>
-            <a:r>
-              <a:rPr lang="zh-CN" altLang="en-US" dirty="0"/>
-              <a:t>”与“</a:t>
-            </a:r>
-            <a:r>
-              <a:rPr lang="zh-CN" altLang="en-US" b="1" dirty="0"/>
-              <a:t>更新</a:t>
-            </a:r>
-            <a:r>
-              <a:rPr lang="zh-CN" altLang="en-US" dirty="0"/>
-              <a:t>”两个过程来对系统的状态进行最优估计。</a:t>
+              <a:t>卡尔曼滤波器最通俗的解释就是当计算的结果和测量的结果都有噪声时候，我们的选择是更相信计算的结果还是更相信测量的结果，这也就是卡尔曼增益的物理意义。</a:t>
             </a:r>
             <a:endParaRPr lang="en-US" altLang="zh-CN" dirty="0"/>
           </a:p>
@@ -10165,7 +10147,23 @@
             </a:pPr>
             <a:r>
               <a:rPr lang="zh-CN" altLang="en-US" dirty="0"/>
-              <a:t>卡尔曼滤波器最通俗的解释就是当计算的结果和测量的结果都有噪声时候，我们的选择是更相信计算的结果还是更相信测量的结果，这也就是卡尔曼增益的物理意义。</a:t>
+              <a:t>卡尔曼滤波作为一种状态最优估计的方法，被广泛应用在动态系统预测，通过“</a:t>
+            </a:r>
+            <a:r>
+              <a:rPr lang="zh-CN" altLang="en-US" b="1" dirty="0"/>
+              <a:t>预测</a:t>
+            </a:r>
+            <a:r>
+              <a:rPr lang="zh-CN" altLang="en-US" dirty="0"/>
+              <a:t>”与“</a:t>
+            </a:r>
+            <a:r>
+              <a:rPr lang="zh-CN" altLang="en-US" b="1" dirty="0"/>
+              <a:t>更新</a:t>
+            </a:r>
+            <a:r>
+              <a:rPr lang="zh-CN" altLang="en-US" dirty="0"/>
+              <a:t>”两个过程来对系统的状态进行最优估计。</a:t>
             </a:r>
             <a:endParaRPr lang="en-US" altLang="zh-CN" dirty="0"/>
           </a:p>
@@ -10203,7 +10201,7 @@
         </p:blipFill>
         <p:spPr>
           <a:xfrm>
-            <a:off x="877085" y="2837339"/>
+            <a:off x="742862" y="2837339"/>
             <a:ext cx="5657397" cy="3158862"/>
           </a:xfrm>
           <a:prstGeom prst="rect">
@@ -10226,7 +10224,7 @@
           <p:nvPr>
             <p:extLst>
               <p:ext uri="{D42A27DB-BD31-4B8C-83A1-F6EECF244321}">
-                <p14:modId xmlns:p14="http://schemas.microsoft.com/office/powerpoint/2010/main" val="3340793608"/>
+                <p14:modId xmlns:p14="http://schemas.microsoft.com/office/powerpoint/2010/main" val="1677790388"/>
               </p:ext>
             </p:extLst>
           </p:nvPr>
@@ -11626,7 +11624,7 @@
             <a:pPr algn="ctr"/>
             <a:r>
               <a:rPr lang="zh-CN" altLang="en-US" dirty="0"/>
-              <a:t>列出含有噪声的状态转移矩阵和测量矩阵</a:t>
+              <a:t>列出含有噪声的状态转移方程和测量方程</a:t>
             </a:r>
           </a:p>
         </p:txBody>
@@ -11957,13 +11955,13 @@
           <p:nvPr>
             <p:extLst>
               <p:ext uri="{D42A27DB-BD31-4B8C-83A1-F6EECF244321}">
-                <p14:modId xmlns:p14="http://schemas.microsoft.com/office/powerpoint/2010/main" val="2810538758"/>
+                <p14:modId xmlns:p14="http://schemas.microsoft.com/office/powerpoint/2010/main" val="3042220410"/>
               </p:ext>
             </p:extLst>
           </p:nvPr>
         </p:nvGraphicFramePr>
         <p:xfrm>
-          <a:off x="7778750" y="5343525"/>
+          <a:off x="7863393" y="5341095"/>
           <a:ext cx="1752600" cy="673100"/>
         </p:xfrm>
         <a:graphic>
@@ -11991,7 +11989,7 @@
                     </p:blipFill>
                     <p:spPr>
                       <a:xfrm>
-                        <a:off x="7778750" y="5343525"/>
+                        <a:off x="7863393" y="5341095"/>
                         <a:ext cx="1752600" cy="673100"/>
                       </a:xfrm>
                       <a:prstGeom prst="rect">
@@ -12020,13 +12018,13 @@
           <p:nvPr>
             <p:extLst>
               <p:ext uri="{D42A27DB-BD31-4B8C-83A1-F6EECF244321}">
-                <p14:modId xmlns:p14="http://schemas.microsoft.com/office/powerpoint/2010/main" val="2857184473"/>
+                <p14:modId xmlns:p14="http://schemas.microsoft.com/office/powerpoint/2010/main" val="2698420209"/>
               </p:ext>
             </p:extLst>
           </p:nvPr>
         </p:nvGraphicFramePr>
         <p:xfrm>
-          <a:off x="2386013" y="5309345"/>
+          <a:off x="2460658" y="5309345"/>
           <a:ext cx="1778000" cy="736600"/>
         </p:xfrm>
         <a:graphic>
@@ -12054,7 +12052,7 @@
                     </p:blipFill>
                     <p:spPr>
                       <a:xfrm>
-                        <a:off x="2386013" y="5309345"/>
+                        <a:off x="2460658" y="5309345"/>
                         <a:ext cx="1778000" cy="736600"/>
                       </a:xfrm>
                       <a:prstGeom prst="rect">
@@ -13018,7 +13016,7 @@
                   <a:prstClr val="white"/>
                 </a:solidFill>
               </a:rPr>
-              <a:t>常规布局固定翼飞机的运动学模型</a:t>
+              <a:t>常规布局固定翼飞机的动力学模型</a:t>
             </a:r>
           </a:p>
         </p:txBody>
@@ -13045,7 +13043,7 @@
         </p:blipFill>
         <p:spPr>
           <a:xfrm>
-            <a:off x="5675666" y="1160422"/>
+            <a:off x="5524291" y="1160422"/>
             <a:ext cx="5588281" cy="4752582"/>
           </a:xfrm>
           <a:prstGeom prst="rect">
@@ -13683,7 +13681,7 @@
         </p:nvGrpSpPr>
         <p:grpSpPr>
           <a:xfrm>
-            <a:off x="6947441" y="1059956"/>
+            <a:off x="6802035" y="1053871"/>
             <a:ext cx="4476128" cy="2696269"/>
             <a:chOff x="6047194" y="1183197"/>
             <a:chExt cx="4476128" cy="2696269"/>
@@ -13847,7 +13845,7 @@
         </p:nvGrpSpPr>
         <p:grpSpPr>
           <a:xfrm>
-            <a:off x="6720211" y="4088366"/>
+            <a:off x="6574805" y="4082281"/>
             <a:ext cx="4930588" cy="1974914"/>
             <a:chOff x="5819964" y="4141693"/>
             <a:chExt cx="4930588" cy="1974914"/>
@@ -13975,7 +13973,7 @@
         </p:nvSpPr>
         <p:spPr>
           <a:xfrm>
-            <a:off x="7044267" y="1089102"/>
+            <a:off x="6898861" y="1083017"/>
             <a:ext cx="4209428" cy="369332"/>
           </a:xfrm>
           <a:prstGeom prst="rect">
@@ -13991,7 +13989,7 @@
           <a:p>
             <a:r>
               <a:rPr lang="zh-CN" altLang="en-US" dirty="0"/>
-              <a:t>自动驾驶仪内的加速度计信号的模型为</a:t>
+              <a:t>自动驾驶仪内的加速度计的模型为</a:t>
             </a:r>
           </a:p>
         </p:txBody>
@@ -14013,7 +14011,7 @@
         </p:nvCxnSpPr>
         <p:spPr>
           <a:xfrm>
-            <a:off x="9185505" y="3756225"/>
+            <a:off x="9040099" y="3750140"/>
             <a:ext cx="0" cy="332141"/>
           </a:xfrm>
           <a:prstGeom prst="straightConnector1">
@@ -14652,13 +14650,13 @@
             <p:nvPr>
               <p:extLst>
                 <p:ext uri="{D42A27DB-BD31-4B8C-83A1-F6EECF244321}">
-                  <p14:modId xmlns:p14="http://schemas.microsoft.com/office/powerpoint/2010/main" val="607886199"/>
+                  <p14:modId xmlns:p14="http://schemas.microsoft.com/office/powerpoint/2010/main" val="3948491539"/>
                 </p:ext>
               </p:extLst>
             </p:nvPr>
           </p:nvGraphicFramePr>
           <p:xfrm>
-            <a:off x="525627" y="4456104"/>
+            <a:off x="5783132" y="4466448"/>
             <a:ext cx="5930900" cy="1117600"/>
           </p:xfrm>
           <a:graphic>
@@ -14686,71 +14684,8 @@
                       </p:blipFill>
                       <p:spPr>
                         <a:xfrm>
-                          <a:off x="525627" y="4456104"/>
+                          <a:off x="5783132" y="4466448"/>
                           <a:ext cx="5930900" cy="1117600"/>
-                        </a:xfrm>
-                        <a:prstGeom prst="rect">
-                          <a:avLst/>
-                        </a:prstGeom>
-                      </p:spPr>
-                    </p:pic>
-                  </p:oleObj>
-                </mc:Fallback>
-              </mc:AlternateContent>
-            </a:graphicData>
-          </a:graphic>
-        </p:graphicFrame>
-        <p:graphicFrame>
-          <p:nvGraphicFramePr>
-            <p:cNvPr id="7" name="对象 6">
-              <a:extLst>
-                <a:ext uri="{FF2B5EF4-FFF2-40B4-BE49-F238E27FC236}">
-                  <a16:creationId xmlns:a16="http://schemas.microsoft.com/office/drawing/2014/main" id="{94E73480-066E-F2A7-EE97-A2D812E05B5B}"/>
-                </a:ext>
-              </a:extLst>
-            </p:cNvPr>
-            <p:cNvGraphicFramePr>
-              <a:graphicFrameLocks noChangeAspect="1"/>
-            </p:cNvGraphicFramePr>
-            <p:nvPr>
-              <p:extLst>
-                <p:ext uri="{D42A27DB-BD31-4B8C-83A1-F6EECF244321}">
-                  <p14:modId xmlns:p14="http://schemas.microsoft.com/office/powerpoint/2010/main" val="2482176736"/>
-                </p:ext>
-              </p:extLst>
-            </p:nvPr>
-          </p:nvGraphicFramePr>
-          <p:xfrm>
-            <a:off x="6504189" y="4485985"/>
-            <a:ext cx="5143500" cy="1041400"/>
-          </p:xfrm>
-          <a:graphic>
-            <a:graphicData uri="http://schemas.openxmlformats.org/presentationml/2006/ole">
-              <mc:AlternateContent xmlns:mc="http://schemas.openxmlformats.org/markup-compatibility/2006">
-                <mc:Choice xmlns:v="urn:schemas-microsoft-com:vml" Requires="v">
-                  <p:oleObj name="Equation" r:id="rId10" imgW="5143320" imgH="1041120" progId="Equation.DSMT4">
-                    <p:embed/>
-                  </p:oleObj>
-                </mc:Choice>
-                <mc:Fallback>
-                  <p:oleObj name="Equation" r:id="rId10" imgW="5143320" imgH="1041120" progId="Equation.DSMT4">
-                    <p:embed/>
-                    <p:pic>
-                      <p:nvPicPr>
-                        <p:cNvPr id="0" name=""/>
-                        <p:cNvPicPr/>
-                        <p:nvPr/>
-                      </p:nvPicPr>
-                      <p:blipFill>
-                        <a:blip r:embed="rId11"/>
-                        <a:stretch>
-                          <a:fillRect/>
-                        </a:stretch>
-                      </p:blipFill>
-                      <p:spPr>
-                        <a:xfrm>
-                          <a:off x="6504189" y="4485985"/>
-                          <a:ext cx="5143500" cy="1041400"/>
                         </a:xfrm>
                         <a:prstGeom prst="rect">
                           <a:avLst/>
@@ -14834,6 +14769,69 @@
           </a:p>
         </p:txBody>
       </p:sp>
+      <p:graphicFrame>
+        <p:nvGraphicFramePr>
+          <p:cNvPr id="2" name="对象 1">
+            <a:extLst>
+              <a:ext uri="{FF2B5EF4-FFF2-40B4-BE49-F238E27FC236}">
+                <a16:creationId xmlns:a16="http://schemas.microsoft.com/office/drawing/2014/main" id="{165A0DA4-4E85-8ADA-7824-1AEE0A95788C}"/>
+              </a:ext>
+            </a:extLst>
+          </p:cNvPr>
+          <p:cNvGraphicFramePr>
+            <a:graphicFrameLocks noChangeAspect="1"/>
+          </p:cNvGraphicFramePr>
+          <p:nvPr>
+            <p:extLst>
+              <p:ext uri="{D42A27DB-BD31-4B8C-83A1-F6EECF244321}">
+                <p14:modId xmlns:p14="http://schemas.microsoft.com/office/powerpoint/2010/main" val="1674541401"/>
+              </p:ext>
+            </p:extLst>
+          </p:nvPr>
+        </p:nvGraphicFramePr>
+        <p:xfrm>
+          <a:off x="664510" y="4653212"/>
+          <a:ext cx="5143500" cy="1041400"/>
+        </p:xfrm>
+        <a:graphic>
+          <a:graphicData uri="http://schemas.openxmlformats.org/presentationml/2006/ole">
+            <mc:AlternateContent xmlns:mc="http://schemas.openxmlformats.org/markup-compatibility/2006">
+              <mc:Choice xmlns:v="urn:schemas-microsoft-com:vml" Requires="v">
+                <p:oleObj name="Equation" r:id="rId10" imgW="5143704" imgH="1041157" progId="Equation.DSMT4">
+                  <p:embed/>
+                </p:oleObj>
+              </mc:Choice>
+              <mc:Fallback>
+                <p:oleObj name="Equation" r:id="rId10" imgW="5143704" imgH="1041157" progId="Equation.DSMT4">
+                  <p:embed/>
+                  <p:pic>
+                    <p:nvPicPr>
+                      <p:cNvPr id="0" name=""/>
+                      <p:cNvPicPr/>
+                      <p:nvPr/>
+                    </p:nvPicPr>
+                    <p:blipFill>
+                      <a:blip r:embed="rId11"/>
+                      <a:stretch>
+                        <a:fillRect/>
+                      </a:stretch>
+                    </p:blipFill>
+                    <p:spPr>
+                      <a:xfrm>
+                        <a:off x="664510" y="4653212"/>
+                        <a:ext cx="5143500" cy="1041400"/>
+                      </a:xfrm>
+                      <a:prstGeom prst="rect">
+                        <a:avLst/>
+                      </a:prstGeom>
+                    </p:spPr>
+                  </p:pic>
+                </p:oleObj>
+              </mc:Fallback>
+            </mc:AlternateContent>
+          </a:graphicData>
+        </a:graphic>
+      </p:graphicFrame>
     </p:spTree>
     <p:extLst>
       <p:ext uri="{BB962C8B-B14F-4D97-AF65-F5344CB8AC3E}">
@@ -15142,13 +15140,13 @@
             <p:nvPr>
               <p:extLst>
                 <p:ext uri="{D42A27DB-BD31-4B8C-83A1-F6EECF244321}">
-                  <p14:modId xmlns:p14="http://schemas.microsoft.com/office/powerpoint/2010/main" val="3951677597"/>
+                  <p14:modId xmlns:p14="http://schemas.microsoft.com/office/powerpoint/2010/main" val="2868602692"/>
                 </p:ext>
               </p:extLst>
             </p:nvPr>
           </p:nvGraphicFramePr>
           <p:xfrm>
-            <a:off x="5050333" y="2822358"/>
+            <a:off x="4718497" y="2821496"/>
             <a:ext cx="3060700" cy="1117600"/>
           </p:xfrm>
           <a:graphic>
@@ -15182,7 +15180,7 @@
                       </p:blipFill>
                       <p:spPr>
                         <a:xfrm>
-                          <a:off x="5050333" y="2822358"/>
+                          <a:off x="4718497" y="2821496"/>
                           <a:ext cx="3060700" cy="1117600"/>
                         </a:xfrm>
                         <a:prstGeom prst="rect">
@@ -15246,13 +15244,13 @@
             <p:nvPr>
               <p:extLst>
                 <p:ext uri="{D42A27DB-BD31-4B8C-83A1-F6EECF244321}">
-                  <p14:modId xmlns:p14="http://schemas.microsoft.com/office/powerpoint/2010/main" val="2306342265"/>
+                  <p14:modId xmlns:p14="http://schemas.microsoft.com/office/powerpoint/2010/main" val="1118621451"/>
                 </p:ext>
               </p:extLst>
             </p:nvPr>
           </p:nvGraphicFramePr>
           <p:xfrm>
-            <a:off x="5526583" y="4601578"/>
+            <a:off x="5030759" y="4585726"/>
             <a:ext cx="2108200" cy="609600"/>
           </p:xfrm>
           <a:graphic>
@@ -15286,7 +15284,7 @@
                       </p:blipFill>
                       <p:spPr>
                         <a:xfrm>
-                          <a:off x="5526583" y="4601578"/>
+                          <a:off x="5030759" y="4585726"/>
                           <a:ext cx="2108200" cy="609600"/>
                         </a:xfrm>
                         <a:prstGeom prst="rect">
